--- a/3. Packer/3. Packer.pptx
+++ b/3. Packer/3. Packer.pptx
@@ -1,6 +1,6 @@
 
 <file path=ppt/presentation.xml><?xml version="1.0" encoding="utf-8"?>
-<p:presentation xmlns:a="http://schemas.openxmlformats.org/drawingml/2006/main" xmlns:r="http://schemas.openxmlformats.org/officeDocument/2006/relationships" xmlns:p="http://schemas.openxmlformats.org/presentationml/2006/main" showSpecialPlsOnTitleSld="0" saveSubsetFonts="1">
+<p:presentation xmlns:a="http://schemas.openxmlformats.org/drawingml/2006/main" xmlns:r="http://schemas.openxmlformats.org/officeDocument/2006/relationships" xmlns:p="http://schemas.openxmlformats.org/presentationml/2006/main" showSpecialPlsOnTitleSld="0" embedTrueTypeFonts="1" saveSubsetFonts="1">
   <p:sldMasterIdLst>
     <p:sldMasterId id="2147483648" r:id="rId4"/>
   </p:sldMasterIdLst>
@@ -37,6 +37,24 @@
   </p:sldIdLst>
   <p:sldSz cx="12192000" cy="6858000"/>
   <p:notesSz cx="6858000" cy="1619250"/>
+  <p:embeddedFontLst>
+    <p:embeddedFont>
+      <p:font typeface="Calibri" panose="020F0502020204030204" pitchFamily="34" charset="0"/>
+      <p:regular r:id="rId30"/>
+      <p:bold r:id="rId31"/>
+      <p:italic r:id="rId32"/>
+      <p:boldItalic r:id="rId33"/>
+    </p:embeddedFont>
+    <p:embeddedFont>
+      <p:font typeface="Calibri Light" panose="020F0302020204030204" pitchFamily="34" charset="0"/>
+      <p:regular r:id="rId34"/>
+      <p:italic r:id="rId35"/>
+    </p:embeddedFont>
+    <p:embeddedFont>
+      <p:font typeface="Grotesque Light" panose="020B0304020202020204" pitchFamily="34" charset="0"/>
+      <p:regular r:id="rId36"/>
+    </p:embeddedFont>
+  </p:embeddedFontLst>
   <p:defaultTextStyle>
     <a:defPPr>
       <a:defRPr lang="ca-ES"/>
@@ -278,7 +296,7 @@
           <a:p>
             <a:fld id="{9DA3D7FE-CDC8-4763-B0C2-7F2E10BA6EE1}" type="datetimeFigureOut">
               <a:rPr lang="ca-ES" smtClean="0"/>
-              <a:t>10/10/2020</a:t>
+              <a:t>18/11/2020</a:t>
             </a:fld>
             <a:endParaRPr lang="ca-ES"/>
           </a:p>
@@ -456,7 +474,7 @@
           <a:p>
             <a:fld id="{66F9DEA0-BD61-4A4C-AAFB-420A3EF0FDAC}" type="datetimeFigureOut">
               <a:rPr lang="ca-ES" smtClean="0"/>
-              <a:t>10/10/2020</a:t>
+              <a:t>18/11/2020</a:t>
             </a:fld>
             <a:endParaRPr lang="ca-ES"/>
           </a:p>
@@ -10378,6 +10396,12 @@
 </file>
 
 <file path=customXml/item1.xml><?xml version="1.0" encoding="utf-8"?>
+<p:properties xmlns:p="http://schemas.microsoft.com/office/2006/metadata/properties" xmlns:xsi="http://www.w3.org/2001/XMLSchema-instance" xmlns:pc="http://schemas.microsoft.com/office/infopath/2007/PartnerControls">
+  <documentManagement/>
+</p:properties>
+</file>
+
+<file path=customXml/item2.xml><?xml version="1.0" encoding="utf-8"?>
 <ct:contentTypeSchema xmlns:ct="http://schemas.microsoft.com/office/2006/metadata/contentType" xmlns:ma="http://schemas.microsoft.com/office/2006/metadata/properties/metaAttributes" ct:_="" ma:_="" ma:contentTypeName="Document" ma:contentTypeID="0x010100043477CBD4C6CB4FBD379D4D02B2C9F1" ma:contentTypeVersion="7" ma:contentTypeDescription="Create a new document." ma:contentTypeScope="" ma:versionID="e52b0fca996f618b745ce64851f614fd">
   <xsd:schema xmlns:xsd="http://www.w3.org/2001/XMLSchema" xmlns:xs="http://www.w3.org/2001/XMLSchema" xmlns:p="http://schemas.microsoft.com/office/2006/metadata/properties" xmlns:ns2="9e9454b4-51c0-45d6-b250-bdd7e509af23" targetNamespace="http://schemas.microsoft.com/office/2006/metadata/properties" ma:root="true" ma:fieldsID="1cad610c496d18b47ad4f62e20e81023" ns2:_="">
     <xsd:import namespace="9e9454b4-51c0-45d6-b250-bdd7e509af23"/>
@@ -10541,12 +10565,6 @@
 </ct:contentTypeSchema>
 </file>
 
-<file path=customXml/item2.xml><?xml version="1.0" encoding="utf-8"?>
-<p:properties xmlns:p="http://schemas.microsoft.com/office/2006/metadata/properties" xmlns:xsi="http://www.w3.org/2001/XMLSchema-instance" xmlns:pc="http://schemas.microsoft.com/office/infopath/2007/PartnerControls">
-  <documentManagement/>
-</p:properties>
-</file>
-
 <file path=customXml/item3.xml><?xml version="1.0" encoding="utf-8"?>
 <?mso-contentType ?>
 <FormTemplates xmlns="http://schemas.microsoft.com/sharepoint/v3/contenttype/forms">
@@ -10557,6 +10575,22 @@
 </file>
 
 <file path=customXml/itemProps1.xml><?xml version="1.0" encoding="utf-8"?>
+<ds:datastoreItem xmlns:ds="http://schemas.openxmlformats.org/officeDocument/2006/customXml" ds:itemID="{BA93BAE8-E461-49ED-9079-5EF91E7376F8}">
+  <ds:schemaRefs>
+    <ds:schemaRef ds:uri="http://purl.org/dc/elements/1.1/"/>
+    <ds:schemaRef ds:uri="http://schemas.microsoft.com/office/infopath/2007/PartnerControls"/>
+    <ds:schemaRef ds:uri="http://purl.org/dc/terms/"/>
+    <ds:schemaRef ds:uri="http://purl.org/dc/dcmitype/"/>
+    <ds:schemaRef ds:uri="http://schemas.microsoft.com/office/2006/documentManagement/types"/>
+    <ds:schemaRef ds:uri="http://schemas.openxmlformats.org/package/2006/metadata/core-properties"/>
+    <ds:schemaRef ds:uri="http://www.w3.org/XML/1998/namespace"/>
+    <ds:schemaRef ds:uri="9e9454b4-51c0-45d6-b250-bdd7e509af23"/>
+    <ds:schemaRef ds:uri="http://schemas.microsoft.com/office/2006/metadata/properties"/>
+  </ds:schemaRefs>
+</ds:datastoreItem>
+</file>
+
+<file path=customXml/itemProps2.xml><?xml version="1.0" encoding="utf-8"?>
 <ds:datastoreItem xmlns:ds="http://schemas.openxmlformats.org/officeDocument/2006/customXml" ds:itemID="{5EB15170-D293-4829-A2DE-DAE27A7AEA7C}">
   <ds:schemaRefs>
     <ds:schemaRef ds:uri="http://schemas.microsoft.com/office/2006/metadata/contentType"/>
@@ -10574,22 +10608,6 @@
 </ds:datastoreItem>
 </file>
 
-<file path=customXml/itemProps2.xml><?xml version="1.0" encoding="utf-8"?>
-<ds:datastoreItem xmlns:ds="http://schemas.openxmlformats.org/officeDocument/2006/customXml" ds:itemID="{BA93BAE8-E461-49ED-9079-5EF91E7376F8}">
-  <ds:schemaRefs>
-    <ds:schemaRef ds:uri="http://purl.org/dc/elements/1.1/"/>
-    <ds:schemaRef ds:uri="http://schemas.microsoft.com/office/infopath/2007/PartnerControls"/>
-    <ds:schemaRef ds:uri="http://purl.org/dc/terms/"/>
-    <ds:schemaRef ds:uri="http://purl.org/dc/dcmitype/"/>
-    <ds:schemaRef ds:uri="http://schemas.microsoft.com/office/2006/documentManagement/types"/>
-    <ds:schemaRef ds:uri="http://schemas.openxmlformats.org/package/2006/metadata/core-properties"/>
-    <ds:schemaRef ds:uri="http://www.w3.org/XML/1998/namespace"/>
-    <ds:schemaRef ds:uri="9e9454b4-51c0-45d6-b250-bdd7e509af23"/>
-    <ds:schemaRef ds:uri="http://schemas.microsoft.com/office/2006/metadata/properties"/>
-  </ds:schemaRefs>
-</ds:datastoreItem>
-</file>
-
 <file path=customXml/itemProps3.xml><?xml version="1.0" encoding="utf-8"?>
 <ds:datastoreItem xmlns:ds="http://schemas.openxmlformats.org/officeDocument/2006/customXml" ds:itemID="{B4C38641-5F87-452D-A890-F9D31ECD2433}">
   <ds:schemaRefs>
